--- a/Documentation/Project Presentation/Michael McFadden Project presentation.pptx
+++ b/Documentation/Project Presentation/Michael McFadden Project presentation.pptx
@@ -11,6 +11,7 @@
     <p:sldId id="266" r:id="rId5"/>
     <p:sldId id="267" r:id="rId6"/>
     <p:sldId id="268" r:id="rId7"/>
+    <p:sldId id="269" r:id="rId8"/>
   </p:sldIdLst>
   <p:sldSz cx="9144000" cy="6858000" type="screen4x3"/>
   <p:notesSz cx="6858000" cy="9144000"/>
@@ -743,7 +744,7 @@
           <a:p>
             <a:fld id="{3246753B-1CBA-40BC-BB74-CA1BFC259E4F}" type="datetimeFigureOut">
               <a:rPr lang="en-IE" smtClean="0"/>
-              <a:t>25/04/2019</a:t>
+              <a:t>26/04/2019</a:t>
             </a:fld>
             <a:endParaRPr lang="en-IE"/>
           </a:p>
@@ -932,7 +933,7 @@
           <a:p>
             <a:fld id="{3246753B-1CBA-40BC-BB74-CA1BFC259E4F}" type="datetimeFigureOut">
               <a:rPr lang="en-IE" smtClean="0"/>
-              <a:t>25/04/2019</a:t>
+              <a:t>26/04/2019</a:t>
             </a:fld>
             <a:endParaRPr lang="en-IE"/>
           </a:p>
@@ -1106,7 +1107,7 @@
           <a:p>
             <a:fld id="{3246753B-1CBA-40BC-BB74-CA1BFC259E4F}" type="datetimeFigureOut">
               <a:rPr lang="en-IE" smtClean="0"/>
-              <a:t>25/04/2019</a:t>
+              <a:t>26/04/2019</a:t>
             </a:fld>
             <a:endParaRPr lang="en-IE"/>
           </a:p>
@@ -1248,7 +1249,7 @@
           <a:p>
             <a:fld id="{3246753B-1CBA-40BC-BB74-CA1BFC259E4F}" type="datetimeFigureOut">
               <a:rPr lang="en-IE" smtClean="0"/>
-              <a:t>25/04/2019</a:t>
+              <a:t>26/04/2019</a:t>
             </a:fld>
             <a:endParaRPr lang="en-IE"/>
           </a:p>
@@ -1493,7 +1494,7 @@
           <a:p>
             <a:fld id="{3246753B-1CBA-40BC-BB74-CA1BFC259E4F}" type="datetimeFigureOut">
               <a:rPr lang="en-IE" smtClean="0"/>
-              <a:t>25/04/2019</a:t>
+              <a:t>26/04/2019</a:t>
             </a:fld>
             <a:endParaRPr lang="en-IE"/>
           </a:p>
@@ -1892,7 +1893,7 @@
           <a:p>
             <a:fld id="{3246753B-1CBA-40BC-BB74-CA1BFC259E4F}" type="datetimeFigureOut">
               <a:rPr lang="en-IE" smtClean="0"/>
-              <a:t>25/04/2019</a:t>
+              <a:t>26/04/2019</a:t>
             </a:fld>
             <a:endParaRPr lang="en-IE"/>
           </a:p>
@@ -2328,7 +2329,7 @@
           <a:p>
             <a:fld id="{3246753B-1CBA-40BC-BB74-CA1BFC259E4F}" type="datetimeFigureOut">
               <a:rPr lang="en-IE" smtClean="0"/>
-              <a:t>25/04/2019</a:t>
+              <a:t>26/04/2019</a:t>
             </a:fld>
             <a:endParaRPr lang="en-IE"/>
           </a:p>
@@ -2423,7 +2424,7 @@
           <a:p>
             <a:fld id="{3246753B-1CBA-40BC-BB74-CA1BFC259E4F}" type="datetimeFigureOut">
               <a:rPr lang="en-IE" smtClean="0"/>
-              <a:t>25/04/2019</a:t>
+              <a:t>26/04/2019</a:t>
             </a:fld>
             <a:endParaRPr lang="en-IE"/>
           </a:p>
@@ -2535,7 +2536,7 @@
           <a:p>
             <a:fld id="{3246753B-1CBA-40BC-BB74-CA1BFC259E4F}" type="datetimeFigureOut">
               <a:rPr lang="en-IE" smtClean="0"/>
-              <a:t>25/04/2019</a:t>
+              <a:t>26/04/2019</a:t>
             </a:fld>
             <a:endParaRPr lang="en-IE"/>
           </a:p>
@@ -2802,7 +2803,7 @@
           <a:p>
             <a:fld id="{3246753B-1CBA-40BC-BB74-CA1BFC259E4F}" type="datetimeFigureOut">
               <a:rPr lang="en-IE" smtClean="0"/>
-              <a:t>25/04/2019</a:t>
+              <a:t>26/04/2019</a:t>
             </a:fld>
             <a:endParaRPr lang="en-IE"/>
           </a:p>
@@ -3003,7 +3004,7 @@
           <a:p>
             <a:fld id="{3246753B-1CBA-40BC-BB74-CA1BFC259E4F}" type="datetimeFigureOut">
               <a:rPr lang="en-IE" smtClean="0"/>
-              <a:t>25/04/2019</a:t>
+              <a:t>26/04/2019</a:t>
             </a:fld>
             <a:endParaRPr lang="en-IE"/>
           </a:p>
@@ -4089,7 +4090,7 @@
           <a:p>
             <a:fld id="{3246753B-1CBA-40BC-BB74-CA1BFC259E4F}" type="datetimeFigureOut">
               <a:rPr lang="en-IE" smtClean="0"/>
-              <a:t>25/04/2019</a:t>
+              <a:t>26/04/2019</a:t>
             </a:fld>
             <a:endParaRPr lang="en-IE"/>
           </a:p>
@@ -5616,6 +5617,195 @@
 </p:sld>
 </file>
 
+<file path=ppt/slides/slide7.xml><?xml version="1.0" encoding="utf-8"?>
+<p:sld xmlns:a="http://schemas.openxmlformats.org/drawingml/2006/main" xmlns:r="http://schemas.openxmlformats.org/officeDocument/2006/relationships" xmlns:p="http://schemas.openxmlformats.org/presentationml/2006/main">
+  <p:cSld>
+    <p:spTree>
+      <p:nvGrpSpPr>
+        <p:cNvPr id="1" name=""/>
+        <p:cNvGrpSpPr/>
+        <p:nvPr/>
+      </p:nvGrpSpPr>
+      <p:grpSpPr>
+        <a:xfrm>
+          <a:off x="0" y="0"/>
+          <a:ext cx="0" cy="0"/>
+          <a:chOff x="0" y="0"/>
+          <a:chExt cx="0" cy="0"/>
+        </a:xfrm>
+      </p:grpSpPr>
+      <p:sp>
+        <p:nvSpPr>
+          <p:cNvPr id="2" name="Content Placeholder 1">
+            <a:extLst>
+              <a:ext uri="{FF2B5EF4-FFF2-40B4-BE49-F238E27FC236}">
+                <a16:creationId xmlns:a16="http://schemas.microsoft.com/office/drawing/2014/main" id="{54B29512-BDDC-4A64-AE64-7607F16B6734}"/>
+              </a:ext>
+            </a:extLst>
+          </p:cNvPr>
+          <p:cNvSpPr>
+            <a:spLocks noGrp="1"/>
+          </p:cNvSpPr>
+          <p:nvPr>
+            <p:ph idx="1"/>
+          </p:nvPr>
+        </p:nvSpPr>
+        <p:spPr/>
+        <p:txBody>
+          <a:bodyPr/>
+          <a:lstStyle/>
+          <a:p>
+            <a:r>
+              <a:rPr lang="en-GB" dirty="0"/>
+              <a:t>Risk Management</a:t>
+            </a:r>
+          </a:p>
+          <a:p>
+            <a:r>
+              <a:rPr lang="en-GB" dirty="0"/>
+              <a:t>Disaster Recovery Document</a:t>
+            </a:r>
+          </a:p>
+          <a:p>
+            <a:pPr marL="603504" lvl="2" indent="-256032">
+              <a:lnSpc>
+                <a:spcPct val="95000"/>
+              </a:lnSpc>
+              <a:spcBef>
+                <a:spcPts val="400"/>
+              </a:spcBef>
+              <a:buSzPct val="68000"/>
+              <a:buFont typeface="Wingdings 3"/>
+              <a:buChar char=""/>
+            </a:pPr>
+            <a:r>
+              <a:rPr lang="en-GB" sz="1800" i="1" dirty="0"/>
+              <a:t>Personnel</a:t>
+            </a:r>
+          </a:p>
+          <a:p>
+            <a:pPr marL="603504" lvl="2" indent="-256032">
+              <a:lnSpc>
+                <a:spcPct val="95000"/>
+              </a:lnSpc>
+              <a:spcBef>
+                <a:spcPts val="400"/>
+              </a:spcBef>
+              <a:buSzPct val="68000"/>
+              <a:buFont typeface="Wingdings 3"/>
+              <a:buChar char=""/>
+            </a:pPr>
+            <a:r>
+              <a:rPr lang="en-GB" sz="1800" i="1" dirty="0"/>
+              <a:t>Policy</a:t>
+            </a:r>
+          </a:p>
+          <a:p>
+            <a:pPr marL="603504" lvl="2" indent="-256032">
+              <a:lnSpc>
+                <a:spcPct val="95000"/>
+              </a:lnSpc>
+              <a:spcBef>
+                <a:spcPts val="400"/>
+              </a:spcBef>
+              <a:buSzPct val="68000"/>
+              <a:buFont typeface="Wingdings 3"/>
+              <a:buChar char=""/>
+            </a:pPr>
+            <a:r>
+              <a:rPr lang="en-GB" sz="1800" i="1" dirty="0"/>
+              <a:t>Initiation</a:t>
+            </a:r>
+          </a:p>
+          <a:p>
+            <a:pPr marL="603504" lvl="2" indent="-256032">
+              <a:lnSpc>
+                <a:spcPct val="95000"/>
+              </a:lnSpc>
+              <a:spcBef>
+                <a:spcPts val="400"/>
+              </a:spcBef>
+              <a:buSzPct val="68000"/>
+              <a:buFont typeface="Wingdings 3"/>
+              <a:buChar char=""/>
+            </a:pPr>
+            <a:r>
+              <a:rPr lang="en-GB" sz="1800" i="1" dirty="0"/>
+              <a:t>Response</a:t>
+            </a:r>
+          </a:p>
+          <a:p>
+            <a:pPr marL="603504" lvl="2" indent="-256032">
+              <a:lnSpc>
+                <a:spcPct val="95000"/>
+              </a:lnSpc>
+              <a:spcBef>
+                <a:spcPts val="400"/>
+              </a:spcBef>
+              <a:buSzPct val="68000"/>
+              <a:buFont typeface="Wingdings 3"/>
+              <a:buChar char=""/>
+            </a:pPr>
+            <a:r>
+              <a:rPr lang="en-GB" sz="1800" i="1" dirty="0"/>
+              <a:t>Recovery</a:t>
+            </a:r>
+          </a:p>
+          <a:p>
+            <a:r>
+              <a:rPr lang="en-GB" dirty="0"/>
+              <a:t>Backup policy</a:t>
+            </a:r>
+          </a:p>
+          <a:p>
+            <a:r>
+              <a:rPr lang="en-GB" dirty="0"/>
+              <a:t>Restore procedures</a:t>
+            </a:r>
+          </a:p>
+        </p:txBody>
+      </p:sp>
+      <p:sp>
+        <p:nvSpPr>
+          <p:cNvPr id="3" name="Title 2">
+            <a:extLst>
+              <a:ext uri="{FF2B5EF4-FFF2-40B4-BE49-F238E27FC236}">
+                <a16:creationId xmlns:a16="http://schemas.microsoft.com/office/drawing/2014/main" id="{41039D18-B103-430A-AB0E-9B52A60E6097}"/>
+              </a:ext>
+            </a:extLst>
+          </p:cNvPr>
+          <p:cNvSpPr>
+            <a:spLocks noGrp="1"/>
+          </p:cNvSpPr>
+          <p:nvPr>
+            <p:ph type="title"/>
+          </p:nvPr>
+        </p:nvSpPr>
+        <p:spPr/>
+        <p:txBody>
+          <a:bodyPr/>
+          <a:lstStyle/>
+          <a:p>
+            <a:r>
+              <a:rPr lang="en-GB" dirty="0"/>
+              <a:t>Disaster Recovery</a:t>
+            </a:r>
+          </a:p>
+        </p:txBody>
+      </p:sp>
+    </p:spTree>
+    <p:extLst>
+      <p:ext uri="{BB962C8B-B14F-4D97-AF65-F5344CB8AC3E}">
+        <p14:creationId xmlns:p14="http://schemas.microsoft.com/office/powerpoint/2010/main" val="3472962119"/>
+      </p:ext>
+    </p:extLst>
+  </p:cSld>
+  <p:clrMapOvr>
+    <a:masterClrMapping/>
+  </p:clrMapOvr>
+</p:sld>
+</file>
+
 <file path=ppt/theme/theme1.xml><?xml version="1.0" encoding="utf-8"?>
 <a:theme xmlns:a="http://schemas.openxmlformats.org/drawingml/2006/main" name="Concourse">
   <a:themeElements>
